--- a/Exercise_2b/presentation.pptx
+++ b/Exercise_2b/presentation.pptx
@@ -4887,7 +4887,7 @@
             </a:r>
             <a:r>
               <a:rPr lang="en-US" dirty="0"/>
-              <a:t>LP</a:t>
+              <a:t>LP (Group ?)</a:t>
             </a:r>
           </a:p>
         </p:txBody>
@@ -5017,7 +5017,7 @@
             <a:pPr lvl="0"/>
             <a:r>
               <a:rPr lang="en-US" dirty="0"/>
-              <a:t>Our choice</a:t>
+              <a:t>Our MLP implementation</a:t>
             </a:r>
           </a:p>
         </p:txBody>
@@ -5624,9 +5624,13 @@
           <a:bodyPr/>
           <a:lstStyle/>
           <a:p>
+            <a:pPr marL="457200" indent="-457200">
+              <a:buFontTx/>
+              <a:buChar char="-"/>
+            </a:pPr>
             <a:r>
               <a:rPr lang="de-CH" dirty="0"/>
-              <a:t>- #</a:t>
+              <a:t>#</a:t>
             </a:r>
             <a:r>
               <a:rPr lang="de-CH" dirty="0" err="1"/>
@@ -5660,7 +5664,6 @@
               <a:rPr lang="de-CH" dirty="0"/>
               <a:t> rate</a:t>
             </a:r>
-            <a:endParaRPr lang="en-US" dirty="0"/>
           </a:p>
         </p:txBody>
       </p:sp>
@@ -5679,7 +5682,7 @@
         <p:spPr>
           <a:xfrm>
             <a:off x="614365" y="2771781"/>
-            <a:ext cx="8886826" cy="1938992"/>
+            <a:ext cx="8886826" cy="3170099"/>
           </a:xfrm>
           <a:prstGeom prst="rect">
             <a:avLst/>
@@ -5695,10 +5698,121 @@
           <a:lstStyle/>
           <a:p>
             <a:r>
+              <a:rPr lang="sv-SE" sz="2000" b="1" dirty="0">
+                <a:latin typeface="Courier New" panose="02070309020205020404" pitchFamily="49" charset="0"/>
+                <a:cs typeface="Courier New" panose="02070309020205020404" pitchFamily="49" charset="0"/>
+              </a:rPr>
+              <a:t>EPOCH_values </a:t>
+            </a:r>
+            <a:r>
+              <a:rPr lang="sv-SE" sz="2000" dirty="0">
+                <a:latin typeface="Courier New" panose="02070309020205020404" pitchFamily="49" charset="0"/>
+                <a:cs typeface="Courier New" panose="02070309020205020404" pitchFamily="49" charset="0"/>
+              </a:rPr>
+              <a:t>=</a:t>
+            </a:r>
+            <a:r>
+              <a:rPr lang="sv-SE" sz="2000" b="1" dirty="0">
+                <a:latin typeface="Courier New" panose="02070309020205020404" pitchFamily="49" charset="0"/>
+                <a:cs typeface="Courier New" panose="02070309020205020404" pitchFamily="49" charset="0"/>
+              </a:rPr>
+              <a:t> </a:t>
+            </a:r>
+            <a:r>
+              <a:rPr lang="sv-SE" sz="2000" dirty="0">
+                <a:latin typeface="Courier New" panose="02070309020205020404" pitchFamily="49" charset="0"/>
+                <a:cs typeface="Courier New" panose="02070309020205020404" pitchFamily="49" charset="0"/>
+              </a:rPr>
+              <a:t>[5, 10, 20]</a:t>
+            </a:r>
+            <a:endParaRPr lang="pt-BR" sz="2000" dirty="0">
+              <a:latin typeface="Courier New" panose="02070309020205020404" pitchFamily="49" charset="0"/>
+              <a:cs typeface="Courier New" panose="02070309020205020404" pitchFamily="49" charset="0"/>
+            </a:endParaRPr>
+          </a:p>
+          <a:p>
+            <a:r>
+              <a:rPr lang="pt-BR" sz="2000" b="1" dirty="0">
+                <a:latin typeface="Courier New" panose="02070309020205020404" pitchFamily="49" charset="0"/>
+                <a:cs typeface="Courier New" panose="02070309020205020404" pitchFamily="49" charset="0"/>
+              </a:rPr>
+              <a:t>H_values     </a:t>
+            </a:r>
+            <a:r>
+              <a:rPr lang="pt-BR" sz="2000" dirty="0">
+                <a:latin typeface="Courier New" panose="02070309020205020404" pitchFamily="49" charset="0"/>
+                <a:cs typeface="Courier New" panose="02070309020205020404" pitchFamily="49" charset="0"/>
+              </a:rPr>
+              <a:t>=</a:t>
+            </a:r>
+            <a:r>
+              <a:rPr lang="pt-BR" sz="2000" b="1" dirty="0">
+                <a:latin typeface="Courier New" panose="02070309020205020404" pitchFamily="49" charset="0"/>
+                <a:cs typeface="Courier New" panose="02070309020205020404" pitchFamily="49" charset="0"/>
+              </a:rPr>
+              <a:t> </a:t>
+            </a:r>
+            <a:r>
+              <a:rPr lang="pt-BR" sz="2000" dirty="0">
+                <a:latin typeface="Courier New" panose="02070309020205020404" pitchFamily="49" charset="0"/>
+                <a:cs typeface="Courier New" panose="02070309020205020404" pitchFamily="49" charset="0"/>
+              </a:rPr>
+              <a:t>[16, 32, 64, 128, 256]</a:t>
+            </a:r>
+          </a:p>
+          <a:p>
+            <a:r>
+              <a:rPr lang="en-US" sz="2000" b="1" dirty="0" err="1">
+                <a:latin typeface="Courier New" panose="02070309020205020404" pitchFamily="49" charset="0"/>
+                <a:cs typeface="Courier New" panose="02070309020205020404" pitchFamily="49" charset="0"/>
+              </a:rPr>
+              <a:t>LR_values</a:t>
+            </a:r>
+            <a:r>
               <a:rPr lang="en-US" sz="2000" b="1" dirty="0">
                 <a:latin typeface="Courier New" panose="02070309020205020404" pitchFamily="49" charset="0"/>
                 <a:cs typeface="Courier New" panose="02070309020205020404" pitchFamily="49" charset="0"/>
               </a:rPr>
+              <a:t>    </a:t>
+            </a:r>
+            <a:r>
+              <a:rPr lang="en-US" sz="2000" dirty="0">
+                <a:latin typeface="Courier New" panose="02070309020205020404" pitchFamily="49" charset="0"/>
+                <a:cs typeface="Courier New" panose="02070309020205020404" pitchFamily="49" charset="0"/>
+              </a:rPr>
+              <a:t>=</a:t>
+            </a:r>
+            <a:r>
+              <a:rPr lang="en-US" sz="2000" b="1" dirty="0">
+                <a:latin typeface="Courier New" panose="02070309020205020404" pitchFamily="49" charset="0"/>
+                <a:cs typeface="Courier New" panose="02070309020205020404" pitchFamily="49" charset="0"/>
+              </a:rPr>
+              <a:t> </a:t>
+            </a:r>
+            <a:r>
+              <a:rPr lang="en-US" sz="2000" dirty="0">
+                <a:latin typeface="Courier New" panose="02070309020205020404" pitchFamily="49" charset="0"/>
+                <a:cs typeface="Courier New" panose="02070309020205020404" pitchFamily="49" charset="0"/>
+              </a:rPr>
+              <a:t>[1, 0.5, 0.1, 0.01]</a:t>
+            </a:r>
+            <a:endParaRPr lang="de-CH" sz="2000" dirty="0">
+              <a:latin typeface="Courier New" panose="02070309020205020404" pitchFamily="49" charset="0"/>
+              <a:cs typeface="Courier New" panose="02070309020205020404" pitchFamily="49" charset="0"/>
+            </a:endParaRPr>
+          </a:p>
+          <a:p>
+            <a:endParaRPr lang="en-US" sz="2000" b="1" dirty="0">
+              <a:latin typeface="Courier New" panose="02070309020205020404" pitchFamily="49" charset="0"/>
+              <a:cs typeface="Courier New" panose="02070309020205020404" pitchFamily="49" charset="0"/>
+            </a:endParaRPr>
+          </a:p>
+          <a:p>
+            <a:r>
+              <a:rPr lang="en-US" sz="2000" b="1" dirty="0">
+                <a:latin typeface="Courier New" panose="02070309020205020404" pitchFamily="49" charset="0"/>
+                <a:cs typeface="Courier New" panose="02070309020205020404" pitchFamily="49" charset="0"/>
+              </a:rPr>
               <a:t>for</a:t>
             </a:r>
             <a:r>
@@ -5723,17 +5837,68 @@
               <a:t> in </a:t>
             </a:r>
             <a:r>
+              <a:rPr lang="en-US" sz="2000" b="1" dirty="0" err="1">
+                <a:latin typeface="Courier New" panose="02070309020205020404" pitchFamily="49" charset="0"/>
+                <a:cs typeface="Courier New" panose="02070309020205020404" pitchFamily="49" charset="0"/>
+              </a:rPr>
+              <a:t>EPOCH_values</a:t>
+            </a:r>
+            <a:r>
+              <a:rPr lang="en-US" sz="2000" dirty="0">
+                <a:latin typeface="Courier New" panose="02070309020205020404" pitchFamily="49" charset="0"/>
+                <a:cs typeface="Courier New" panose="02070309020205020404" pitchFamily="49" charset="0"/>
+              </a:rPr>
+              <a:t>:</a:t>
+            </a:r>
+          </a:p>
+          <a:p>
+            <a:r>
+              <a:rPr lang="en-US" sz="2000" dirty="0">
+                <a:latin typeface="Courier New" panose="02070309020205020404" pitchFamily="49" charset="0"/>
+                <a:cs typeface="Courier New" panose="02070309020205020404" pitchFamily="49" charset="0"/>
+              </a:rPr>
+              <a:t>   </a:t>
+            </a:r>
+            <a:r>
+              <a:rPr lang="en-US" sz="2000" b="1" dirty="0">
+                <a:latin typeface="Courier New" panose="02070309020205020404" pitchFamily="49" charset="0"/>
+                <a:cs typeface="Courier New" panose="02070309020205020404" pitchFamily="49" charset="0"/>
+              </a:rPr>
+              <a:t>for</a:t>
+            </a:r>
+            <a:r>
+              <a:rPr lang="en-US" sz="2000" dirty="0">
+                <a:latin typeface="Courier New" panose="02070309020205020404" pitchFamily="49" charset="0"/>
+                <a:cs typeface="Courier New" panose="02070309020205020404" pitchFamily="49" charset="0"/>
+              </a:rPr>
+              <a:t> </a:t>
+            </a:r>
+            <a:r>
               <a:rPr lang="en-US" sz="2000" dirty="0" err="1">
                 <a:latin typeface="Courier New" panose="02070309020205020404" pitchFamily="49" charset="0"/>
                 <a:cs typeface="Courier New" panose="02070309020205020404" pitchFamily="49" charset="0"/>
               </a:rPr>
-              <a:t>EPOCH_values</a:t>
+              <a:t>hidden_size</a:t>
             </a:r>
             <a:r>
               <a:rPr lang="en-US" sz="2000" dirty="0">
                 <a:latin typeface="Courier New" panose="02070309020205020404" pitchFamily="49" charset="0"/>
                 <a:cs typeface="Courier New" panose="02070309020205020404" pitchFamily="49" charset="0"/>
               </a:rPr>
+              <a:t> in </a:t>
+            </a:r>
+            <a:r>
+              <a:rPr lang="en-US" sz="2000" b="1" dirty="0" err="1">
+                <a:latin typeface="Courier New" panose="02070309020205020404" pitchFamily="49" charset="0"/>
+                <a:cs typeface="Courier New" panose="02070309020205020404" pitchFamily="49" charset="0"/>
+              </a:rPr>
+              <a:t>H_values</a:t>
+            </a:r>
+            <a:r>
+              <a:rPr lang="en-US" sz="2000" dirty="0">
+                <a:latin typeface="Courier New" panose="02070309020205020404" pitchFamily="49" charset="0"/>
+                <a:cs typeface="Courier New" panose="02070309020205020404" pitchFamily="49" charset="0"/>
+              </a:rPr>
               <a:t>:</a:t>
             </a:r>
           </a:p>
@@ -5743,7 +5908,7 @@
                 <a:latin typeface="Courier New" panose="02070309020205020404" pitchFamily="49" charset="0"/>
                 <a:cs typeface="Courier New" panose="02070309020205020404" pitchFamily="49" charset="0"/>
               </a:rPr>
-              <a:t>   </a:t>
+              <a:t>      </a:t>
             </a:r>
             <a:r>
               <a:rPr lang="en-US" sz="2000" b="1" dirty="0">
@@ -5764,7 +5929,7 @@
                 <a:latin typeface="Courier New" panose="02070309020205020404" pitchFamily="49" charset="0"/>
                 <a:cs typeface="Courier New" panose="02070309020205020404" pitchFamily="49" charset="0"/>
               </a:rPr>
-              <a:t>hidden_size</a:t>
+              <a:t>learning_rate</a:t>
             </a:r>
             <a:r>
               <a:rPr lang="en-US" sz="2000" dirty="0">
@@ -5774,58 +5939,7 @@
               <a:t> in </a:t>
             </a:r>
             <a:r>
-              <a:rPr lang="en-US" sz="2000" dirty="0" err="1">
-                <a:latin typeface="Courier New" panose="02070309020205020404" pitchFamily="49" charset="0"/>
-                <a:cs typeface="Courier New" panose="02070309020205020404" pitchFamily="49" charset="0"/>
-              </a:rPr>
-              <a:t>H_values</a:t>
-            </a:r>
-            <a:r>
-              <a:rPr lang="en-US" sz="2000" dirty="0">
-                <a:latin typeface="Courier New" panose="02070309020205020404" pitchFamily="49" charset="0"/>
-                <a:cs typeface="Courier New" panose="02070309020205020404" pitchFamily="49" charset="0"/>
-              </a:rPr>
-              <a:t>:</a:t>
-            </a:r>
-          </a:p>
-          <a:p>
-            <a:r>
-              <a:rPr lang="en-US" sz="2000" dirty="0">
-                <a:latin typeface="Courier New" panose="02070309020205020404" pitchFamily="49" charset="0"/>
-                <a:cs typeface="Courier New" panose="02070309020205020404" pitchFamily="49" charset="0"/>
-              </a:rPr>
-              <a:t>      </a:t>
-            </a:r>
-            <a:r>
-              <a:rPr lang="en-US" sz="2000" b="1" dirty="0">
-                <a:latin typeface="Courier New" panose="02070309020205020404" pitchFamily="49" charset="0"/>
-                <a:cs typeface="Courier New" panose="02070309020205020404" pitchFamily="49" charset="0"/>
-              </a:rPr>
-              <a:t>for</a:t>
-            </a:r>
-            <a:r>
-              <a:rPr lang="en-US" sz="2000" dirty="0">
-                <a:latin typeface="Courier New" panose="02070309020205020404" pitchFamily="49" charset="0"/>
-                <a:cs typeface="Courier New" panose="02070309020205020404" pitchFamily="49" charset="0"/>
-              </a:rPr>
-              <a:t> </a:t>
-            </a:r>
-            <a:r>
-              <a:rPr lang="en-US" sz="2000" dirty="0" err="1">
-                <a:latin typeface="Courier New" panose="02070309020205020404" pitchFamily="49" charset="0"/>
-                <a:cs typeface="Courier New" panose="02070309020205020404" pitchFamily="49" charset="0"/>
-              </a:rPr>
-              <a:t>learning_rate</a:t>
-            </a:r>
-            <a:r>
-              <a:rPr lang="en-US" sz="2000" dirty="0">
-                <a:latin typeface="Courier New" panose="02070309020205020404" pitchFamily="49" charset="0"/>
-                <a:cs typeface="Courier New" panose="02070309020205020404" pitchFamily="49" charset="0"/>
-              </a:rPr>
-              <a:t> in </a:t>
-            </a:r>
-            <a:r>
-              <a:rPr lang="en-US" sz="2000" dirty="0" err="1">
+              <a:rPr lang="en-US" sz="2000" b="1" dirty="0" err="1">
                 <a:latin typeface="Courier New" panose="02070309020205020404" pitchFamily="49" charset="0"/>
                 <a:cs typeface="Courier New" panose="02070309020205020404" pitchFamily="49" charset="0"/>
               </a:rPr>
@@ -5959,7 +6073,7 @@
                 <a:latin typeface="Courier New" panose="02070309020205020404" pitchFamily="49" charset="0"/>
                 <a:cs typeface="Courier New" panose="02070309020205020404" pitchFamily="49" charset="0"/>
               </a:rPr>
-              <a:t>Best test accuracy found: 0.974000</a:t>
+              <a:t>Best test accuracy found: 0.974</a:t>
             </a:r>
           </a:p>
           <a:p>
@@ -6034,7 +6148,7 @@
                 <a:latin typeface="Courier New" panose="02070309020205020404" pitchFamily="49" charset="0"/>
                 <a:cs typeface="Courier New" panose="02070309020205020404" pitchFamily="49" charset="0"/>
               </a:rPr>
-              <a:t>=0.010000</a:t>
+              <a:t>=0.01</a:t>
             </a:r>
           </a:p>
           <a:p>
@@ -6549,19 +6663,226 @@
             <p:ph type="body" idx="4294967295"/>
           </p:nvPr>
         </p:nvSpPr>
-        <p:spPr/>
+        <p:spPr>
+          <a:xfrm>
+            <a:off x="446846" y="1769040"/>
+            <a:ext cx="9282939" cy="4384440"/>
+          </a:xfrm>
+        </p:spPr>
         <p:txBody>
           <a:bodyPr/>
           <a:lstStyle/>
           <a:p>
+            <a:pPr marL="457200" indent="-457200">
+              <a:buFontTx/>
+              <a:buChar char="-"/>
+            </a:pPr>
             <a:r>
               <a:rPr lang="de-CH" dirty="0"/>
-              <a:t>- </a:t>
+              <a:t>Test </a:t>
             </a:r>
             <a:r>
               <a:rPr lang="de-CH" dirty="0" err="1"/>
-              <a:t>tbd</a:t>
-            </a:r>
+              <a:t>accuracy</a:t>
+            </a:r>
+            <a:r>
+              <a:rPr lang="de-CH" dirty="0"/>
+              <a:t> </a:t>
+            </a:r>
+            <a:r>
+              <a:rPr lang="de-CH" dirty="0" err="1"/>
+              <a:t>of</a:t>
+            </a:r>
+            <a:r>
+              <a:rPr lang="de-CH" dirty="0"/>
+              <a:t> 97.4% </a:t>
+            </a:r>
+            <a:r>
+              <a:rPr lang="de-CH" dirty="0" err="1"/>
+              <a:t>with</a:t>
+            </a:r>
+            <a:r>
+              <a:rPr lang="de-CH" dirty="0"/>
+              <a:t> </a:t>
+            </a:r>
+            <a:r>
+              <a:rPr lang="de-CH" dirty="0" err="1"/>
+              <a:t>vanilla</a:t>
+            </a:r>
+            <a:r>
+              <a:rPr lang="de-CH" dirty="0"/>
+              <a:t> MLP</a:t>
+            </a:r>
+          </a:p>
+          <a:p>
+            <a:pPr marL="1143000" lvl="1" indent="-457200">
+              <a:buFontTx/>
+              <a:buChar char="-"/>
+            </a:pPr>
+            <a:r>
+              <a:rPr lang="de-CH" dirty="0"/>
+              <a:t>vs. 98.2% </a:t>
+            </a:r>
+            <a:r>
+              <a:rPr lang="de-CH" dirty="0" err="1"/>
+              <a:t>by</a:t>
+            </a:r>
+            <a:r>
+              <a:rPr lang="de-CH"/>
+              <a:t> SVM</a:t>
+            </a:r>
+            <a:endParaRPr lang="de-CH" dirty="0"/>
+          </a:p>
+          <a:p>
+            <a:pPr marL="457200" indent="-457200">
+              <a:buFontTx/>
+              <a:buChar char="-"/>
+            </a:pPr>
+            <a:r>
+              <a:rPr lang="de-CH" dirty="0"/>
+              <a:t>Error rate </a:t>
+            </a:r>
+            <a:r>
+              <a:rPr lang="de-CH" dirty="0" err="1"/>
+              <a:t>decreases</a:t>
+            </a:r>
+            <a:r>
+              <a:rPr lang="de-CH" dirty="0"/>
+              <a:t> </a:t>
+            </a:r>
+            <a:r>
+              <a:rPr lang="de-CH" dirty="0" err="1"/>
+              <a:t>with</a:t>
+            </a:r>
+            <a:r>
+              <a:rPr lang="de-CH" dirty="0"/>
+              <a:t> </a:t>
+            </a:r>
+            <a:r>
+              <a:rPr lang="de-CH" dirty="0" err="1"/>
+              <a:t>number</a:t>
+            </a:r>
+            <a:r>
+              <a:rPr lang="de-CH" dirty="0"/>
+              <a:t> </a:t>
+            </a:r>
+            <a:r>
+              <a:rPr lang="de-CH" dirty="0" err="1"/>
+              <a:t>of</a:t>
+            </a:r>
+            <a:r>
+              <a:rPr lang="de-CH" dirty="0"/>
+              <a:t> </a:t>
+            </a:r>
+            <a:r>
+              <a:rPr lang="de-CH" dirty="0" err="1"/>
+              <a:t>epochs</a:t>
+            </a:r>
+            <a:endParaRPr lang="de-CH" dirty="0"/>
+          </a:p>
+          <a:p>
+            <a:pPr marL="457200" indent="-457200">
+              <a:buFontTx/>
+              <a:buChar char="-"/>
+            </a:pPr>
+            <a:r>
+              <a:rPr lang="de-CH" dirty="0"/>
+              <a:t>Error rate </a:t>
+            </a:r>
+            <a:r>
+              <a:rPr lang="de-CH" dirty="0" err="1"/>
+              <a:t>lower</a:t>
+            </a:r>
+            <a:r>
+              <a:rPr lang="de-CH" dirty="0"/>
+              <a:t> on </a:t>
+            </a:r>
+            <a:r>
+              <a:rPr lang="de-CH" dirty="0" err="1"/>
+              <a:t>training</a:t>
+            </a:r>
+            <a:r>
+              <a:rPr lang="de-CH" dirty="0"/>
+              <a:t> </a:t>
+            </a:r>
+            <a:r>
+              <a:rPr lang="de-CH" dirty="0" err="1"/>
+              <a:t>set</a:t>
+            </a:r>
+            <a:r>
+              <a:rPr lang="de-CH" dirty="0"/>
+              <a:t> </a:t>
+            </a:r>
+            <a:r>
+              <a:rPr lang="de-CH" dirty="0" err="1"/>
+              <a:t>than</a:t>
+            </a:r>
+            <a:r>
+              <a:rPr lang="de-CH" dirty="0"/>
+              <a:t> </a:t>
+            </a:r>
+            <a:r>
+              <a:rPr lang="de-CH" dirty="0" err="1"/>
+              <a:t>test</a:t>
+            </a:r>
+            <a:r>
+              <a:rPr lang="de-CH" dirty="0"/>
+              <a:t> </a:t>
+            </a:r>
+            <a:r>
+              <a:rPr lang="de-CH" dirty="0" err="1"/>
+              <a:t>set</a:t>
+            </a:r>
+            <a:endParaRPr lang="de-CH" dirty="0"/>
+          </a:p>
+          <a:p>
+            <a:pPr marL="457200" indent="-457200">
+              <a:buFontTx/>
+              <a:buChar char="-"/>
+            </a:pPr>
+            <a:r>
+              <a:rPr lang="de-CH" dirty="0" err="1"/>
+              <a:t>Opt</a:t>
+            </a:r>
+            <a:r>
+              <a:rPr lang="de-CH" dirty="0"/>
+              <a:t>. </a:t>
+            </a:r>
+            <a:r>
+              <a:rPr lang="de-CH" dirty="0" err="1"/>
+              <a:t>hyperparameters</a:t>
+            </a:r>
+            <a:r>
+              <a:rPr lang="de-CH" dirty="0"/>
+              <a:t> </a:t>
+            </a:r>
+            <a:r>
+              <a:rPr lang="de-CH" dirty="0" err="1"/>
+              <a:t>difficult</a:t>
+            </a:r>
+            <a:r>
+              <a:rPr lang="de-CH" dirty="0"/>
+              <a:t> </a:t>
+            </a:r>
+            <a:r>
+              <a:rPr lang="de-CH" dirty="0" err="1"/>
+              <a:t>to</a:t>
+            </a:r>
+            <a:r>
+              <a:rPr lang="de-CH" dirty="0"/>
+              <a:t> </a:t>
+            </a:r>
+            <a:r>
+              <a:rPr lang="de-CH" dirty="0" err="1"/>
+              <a:t>determine</a:t>
+            </a:r>
+            <a:endParaRPr lang="de-CH" dirty="0"/>
+          </a:p>
+          <a:p>
+            <a:pPr marL="457200" indent="-457200">
+              <a:buFontTx/>
+              <a:buChar char="-"/>
+            </a:pPr>
             <a:endParaRPr lang="en-US" dirty="0"/>
           </a:p>
         </p:txBody>

--- a/Exercise_2b/presentation.pptx
+++ b/Exercise_2b/presentation.pptx
@@ -5057,6 +5057,14 @@
             </a:r>
             <a:r>
               <a:rPr lang="de-CH" dirty="0"/>
+              <a:t> + </a:t>
+            </a:r>
+            <a:r>
+              <a:rPr lang="de-CH" dirty="0" err="1"/>
+              <a:t>matplotlib</a:t>
+            </a:r>
+            <a:r>
+              <a:rPr lang="de-CH" dirty="0"/>
               <a:t>:</a:t>
             </a:r>
           </a:p>
@@ -6721,17 +6729,16 @@
             </a:pPr>
             <a:r>
               <a:rPr lang="de-CH" dirty="0"/>
-              <a:t>vs. 98.2% </a:t>
+              <a:t>vs. 98.5% </a:t>
             </a:r>
             <a:r>
               <a:rPr lang="de-CH" dirty="0" err="1"/>
               <a:t>by</a:t>
             </a:r>
             <a:r>
-              <a:rPr lang="de-CH"/>
+              <a:rPr lang="de-CH" dirty="0"/>
               <a:t> SVM</a:t>
             </a:r>
-            <a:endParaRPr lang="de-CH" dirty="0"/>
           </a:p>
           <a:p>
             <a:pPr marL="457200" indent="-457200">
@@ -6787,66 +6794,7 @@
             </a:pPr>
             <a:r>
               <a:rPr lang="de-CH" dirty="0"/>
-              <a:t>Error rate </a:t>
-            </a:r>
-            <a:r>
-              <a:rPr lang="de-CH" dirty="0" err="1"/>
-              <a:t>lower</a:t>
-            </a:r>
-            <a:r>
-              <a:rPr lang="de-CH" dirty="0"/>
-              <a:t> on </a:t>
-            </a:r>
-            <a:r>
-              <a:rPr lang="de-CH" dirty="0" err="1"/>
-              <a:t>training</a:t>
-            </a:r>
-            <a:r>
-              <a:rPr lang="de-CH" dirty="0"/>
-              <a:t> </a:t>
-            </a:r>
-            <a:r>
-              <a:rPr lang="de-CH" dirty="0" err="1"/>
-              <a:t>set</a:t>
-            </a:r>
-            <a:r>
-              <a:rPr lang="de-CH" dirty="0"/>
-              <a:t> </a:t>
-            </a:r>
-            <a:r>
-              <a:rPr lang="de-CH" dirty="0" err="1"/>
-              <a:t>than</a:t>
-            </a:r>
-            <a:r>
-              <a:rPr lang="de-CH" dirty="0"/>
-              <a:t> </a:t>
-            </a:r>
-            <a:r>
-              <a:rPr lang="de-CH" dirty="0" err="1"/>
-              <a:t>test</a:t>
-            </a:r>
-            <a:r>
-              <a:rPr lang="de-CH" dirty="0"/>
-              <a:t> </a:t>
-            </a:r>
-            <a:r>
-              <a:rPr lang="de-CH" dirty="0" err="1"/>
-              <a:t>set</a:t>
-            </a:r>
-            <a:endParaRPr lang="de-CH" dirty="0"/>
-          </a:p>
-          <a:p>
-            <a:pPr marL="457200" indent="-457200">
-              <a:buFontTx/>
-              <a:buChar char="-"/>
-            </a:pPr>
-            <a:r>
-              <a:rPr lang="de-CH" dirty="0" err="1"/>
-              <a:t>Opt</a:t>
-            </a:r>
-            <a:r>
-              <a:rPr lang="de-CH" dirty="0"/>
-              <a:t>. </a:t>
+              <a:t>Optimal </a:t>
             </a:r>
             <a:r>
               <a:rPr lang="de-CH" dirty="0" err="1"/>
